--- a/static/Solar Powered automated mulitasking agribot.pptx
+++ b/static/Solar Powered automated mulitasking agribot.pptx
@@ -5,7 +5,7 @@
     <p:sldMasterId id="2147483648" r:id="rId1"/>
   </p:sldMasterIdLst>
   <p:notesMasterIdLst>
-    <p:notesMasterId r:id="rId21"/>
+    <p:notesMasterId r:id="rId18"/>
   </p:notesMasterIdLst>
   <p:sldIdLst>
     <p:sldId id="282" r:id="rId2"/>
@@ -24,9 +24,6 @@
     <p:sldId id="274" r:id="rId15"/>
     <p:sldId id="265" r:id="rId16"/>
     <p:sldId id="266" r:id="rId17"/>
-    <p:sldId id="271" r:id="rId18"/>
-    <p:sldId id="267" r:id="rId19"/>
-    <p:sldId id="268" r:id="rId20"/>
   </p:sldIdLst>
   <p:sldSz cx="12192000" cy="6858000"/>
   <p:notesSz cx="6858000" cy="9144000"/>
@@ -3852,8 +3849,8 @@
         </p:nvSpPr>
         <p:spPr>
           <a:xfrm>
-            <a:off x="2116899" y="2641884"/>
-            <a:ext cx="8551101" cy="1115562"/>
+            <a:off x="2067339" y="2061324"/>
+            <a:ext cx="9024730" cy="1115562"/>
           </a:xfrm>
           <a:prstGeom prst="rect">
             <a:avLst/>
@@ -3878,7 +3875,7 @@
                 <a:latin typeface="Times New Roman" pitchFamily="18" charset="0"/>
                 <a:cs typeface="Times New Roman" pitchFamily="18" charset="0"/>
               </a:rPr>
-              <a:t>Solar Powered Automated Multitasking Agricultural Robot Using IOT</a:t>
+              <a:t>Solar Powered Automated Multitasking 	Agricultural Robot Using IOT</a:t>
             </a:r>
             <a:endParaRPr sz="3600" b="1" spc="-20" dirty="0">
               <a:latin typeface="Times New Roman" pitchFamily="18" charset="0"/>
@@ -3887,160 +3884,6 @@
           </a:p>
         </p:txBody>
       </p:sp>
-      <p:sp>
-        <p:nvSpPr>
-          <p:cNvPr id="5" name="TextBox 4"/>
-          <p:cNvSpPr txBox="1"/>
-          <p:nvPr/>
-        </p:nvSpPr>
-        <p:spPr>
-          <a:xfrm>
-            <a:off x="1875692" y="4356498"/>
-            <a:ext cx="2554906" cy="1200329"/>
-          </a:xfrm>
-          <a:prstGeom prst="rect">
-            <a:avLst/>
-          </a:prstGeom>
-          <a:noFill/>
-        </p:spPr>
-        <p:txBody>
-          <a:bodyPr wrap="square" rtlCol="0">
-            <a:spAutoFit/>
-          </a:bodyPr>
-          <a:lstStyle/>
-          <a:p>
-            <a:r>
-              <a:rPr lang="en-US" sz="2400" b="1" dirty="0">
-                <a:latin typeface="Times New Roman" panose="02020603050405020304" pitchFamily="18" charset="0"/>
-                <a:cs typeface="Times New Roman" panose="02020603050405020304" pitchFamily="18" charset="0"/>
-              </a:rPr>
-              <a:t>Project Guide</a:t>
-            </a:r>
-            <a:r>
-              <a:rPr lang="en-US" sz="2400" b="1" dirty="0"/>
-              <a:t>:</a:t>
-            </a:r>
-          </a:p>
-          <a:p>
-            <a:r>
-              <a:rPr lang="en-US" sz="2400" dirty="0">
-                <a:latin typeface="Times New Roman" panose="02020603050405020304" pitchFamily="18" charset="0"/>
-                <a:cs typeface="Times New Roman" panose="02020603050405020304" pitchFamily="18" charset="0"/>
-              </a:rPr>
-              <a:t>Kiranamyee</a:t>
-            </a:r>
-          </a:p>
-          <a:p>
-            <a:r>
-              <a:rPr lang="en-US" sz="2400" dirty="0">
-                <a:latin typeface="Times New Roman" panose="02020603050405020304" pitchFamily="18" charset="0"/>
-                <a:cs typeface="Times New Roman" panose="02020603050405020304" pitchFamily="18" charset="0"/>
-              </a:rPr>
-              <a:t>M.Tech</a:t>
-            </a:r>
-            <a:endParaRPr lang="en-IN" sz="2400" dirty="0">
-              <a:latin typeface="Times New Roman" panose="02020603050405020304" pitchFamily="18" charset="0"/>
-              <a:cs typeface="Times New Roman" panose="02020603050405020304" pitchFamily="18" charset="0"/>
-            </a:endParaRPr>
-          </a:p>
-        </p:txBody>
-      </p:sp>
-      <p:sp>
-        <p:nvSpPr>
-          <p:cNvPr id="9" name="TextBox 8"/>
-          <p:cNvSpPr txBox="1"/>
-          <p:nvPr/>
-        </p:nvSpPr>
-        <p:spPr>
-          <a:xfrm>
-            <a:off x="1875692" y="2035264"/>
-            <a:ext cx="8839200" cy="461665"/>
-          </a:xfrm>
-          <a:prstGeom prst="rect">
-            <a:avLst/>
-          </a:prstGeom>
-          <a:noFill/>
-        </p:spPr>
-        <p:txBody>
-          <a:bodyPr wrap="square" rtlCol="0">
-            <a:spAutoFit/>
-          </a:bodyPr>
-          <a:lstStyle/>
-          <a:p>
-            <a:r>
-              <a:rPr lang="en-US" sz="2400" b="1" dirty="0">
-                <a:latin typeface="Times New Roman" panose="02020603050405020304" pitchFamily="18" charset="0"/>
-                <a:cs typeface="Times New Roman" panose="02020603050405020304" pitchFamily="18" charset="0"/>
-              </a:rPr>
-              <a:t>Department of  Electronics  and  Communication  Engineering </a:t>
-            </a:r>
-            <a:endParaRPr lang="en-IN" sz="2400" b="1" dirty="0">
-              <a:latin typeface="Times New Roman" panose="02020603050405020304" pitchFamily="18" charset="0"/>
-              <a:cs typeface="Times New Roman" panose="02020603050405020304" pitchFamily="18" charset="0"/>
-            </a:endParaRPr>
-          </a:p>
-        </p:txBody>
-      </p:sp>
-      <p:sp>
-        <p:nvSpPr>
-          <p:cNvPr id="6" name="TextBox 5">
-            <a:extLst>
-              <a:ext uri="{FF2B5EF4-FFF2-40B4-BE49-F238E27FC236}">
-                <a16:creationId xmlns:a16="http://schemas.microsoft.com/office/drawing/2014/main" id="{0FF85A6D-1027-4F8B-9FBB-88AACA9AB257}"/>
-              </a:ext>
-            </a:extLst>
-          </p:cNvPr>
-          <p:cNvSpPr txBox="1"/>
-          <p:nvPr/>
-        </p:nvSpPr>
-        <p:spPr>
-          <a:xfrm>
-            <a:off x="4619134" y="4343972"/>
-            <a:ext cx="6095758" cy="1200329"/>
-          </a:xfrm>
-          <a:prstGeom prst="rect">
-            <a:avLst/>
-          </a:prstGeom>
-          <a:noFill/>
-        </p:spPr>
-        <p:txBody>
-          <a:bodyPr wrap="square" rtlCol="0">
-            <a:spAutoFit/>
-          </a:bodyPr>
-          <a:lstStyle/>
-          <a:p>
-            <a:r>
-              <a:rPr lang="en-US" sz="2400" b="1" dirty="0">
-                <a:latin typeface="Times New Roman" panose="02020603050405020304" pitchFamily="18" charset="0"/>
-                <a:cs typeface="Times New Roman" panose="02020603050405020304" pitchFamily="18" charset="0"/>
-              </a:rPr>
-              <a:t>Presented By:</a:t>
-            </a:r>
-          </a:p>
-          <a:p>
-            <a:r>
-              <a:rPr lang="en-US" sz="2400" dirty="0">
-                <a:latin typeface="Times New Roman" panose="02020603050405020304" pitchFamily="18" charset="0"/>
-                <a:cs typeface="Times New Roman" panose="02020603050405020304" pitchFamily="18" charset="0"/>
-              </a:rPr>
-              <a:t>Yashwanth Reddy Kantareddy    (17K81A04E9)</a:t>
-            </a:r>
-            <a:endParaRPr lang="en-US" sz="2400" b="1" dirty="0">
-              <a:latin typeface="Times New Roman" panose="02020603050405020304" pitchFamily="18" charset="0"/>
-              <a:cs typeface="Times New Roman" panose="02020603050405020304" pitchFamily="18" charset="0"/>
-            </a:endParaRPr>
-          </a:p>
-          <a:p>
-            <a:r>
-              <a:rPr lang="en-US" sz="2400" dirty="0">
-                <a:latin typeface="Times New Roman" panose="02020603050405020304" pitchFamily="18" charset="0"/>
-                <a:cs typeface="Times New Roman" panose="02020603050405020304" pitchFamily="18" charset="0"/>
-              </a:rPr>
-              <a:t>Laharika Anumalla                    (17K81A04C4)</a:t>
-            </a:r>
-          </a:p>
-        </p:txBody>
-      </p:sp>
       <p:graphicFrame>
         <p:nvGraphicFramePr>
           <p:cNvPr id="11" name="Table 10">
@@ -4056,14 +3899,14 @@
           <p:nvPr>
             <p:extLst>
               <p:ext uri="{D42A27DB-BD31-4B8C-83A1-F6EECF244321}">
-                <p14:modId xmlns:p14="http://schemas.microsoft.com/office/powerpoint/2010/main" val="2097375856"/>
+                <p14:modId xmlns:p14="http://schemas.microsoft.com/office/powerpoint/2010/main" val="4647165"/>
               </p:ext>
             </p:extLst>
           </p:nvPr>
         </p:nvGraphicFramePr>
         <p:xfrm>
           <a:off x="2851235" y="139509"/>
-          <a:ext cx="6138545" cy="1483107"/>
+          <a:ext cx="6138545" cy="1300353"/>
         </p:xfrm>
         <a:graphic>
           <a:graphicData uri="http://schemas.openxmlformats.org/drawingml/2006/table">
@@ -4097,17 +3940,6 @@
                           <a:spcPts val="0"/>
                         </a:spcAft>
                       </a:pPr>
-                      <a:r>
-                        <a:rPr lang="en-US" sz="2400" dirty="0">
-                          <a:solidFill>
-                            <a:schemeClr val="tx1"/>
-                          </a:solidFill>
-                          <a:effectLst/>
-                          <a:latin typeface="Times New Roman" panose="02020603050405020304" pitchFamily="18" charset="0"/>
-                          <a:cs typeface="Times New Roman" panose="02020603050405020304" pitchFamily="18" charset="0"/>
-                        </a:rPr>
-                        <a:t>ST. MARTIN'S ENGINEERING COLLEGE</a:t>
-                      </a:r>
                       <a:endParaRPr lang="en-IN" sz="1600" dirty="0">
                         <a:solidFill>
                           <a:schemeClr val="tx1"/>
@@ -4146,17 +3978,6 @@
                           <a:spcPts val="0"/>
                         </a:spcAft>
                       </a:pPr>
-                      <a:r>
-                        <a:rPr lang="en-US" sz="2000" dirty="0">
-                          <a:solidFill>
-                            <a:schemeClr val="tx1"/>
-                          </a:solidFill>
-                          <a:effectLst/>
-                          <a:latin typeface="Times New Roman" panose="02020603050405020304" pitchFamily="18" charset="0"/>
-                          <a:cs typeface="Times New Roman" panose="02020603050405020304" pitchFamily="18" charset="0"/>
-                        </a:rPr>
-                        <a:t>(An UGC Autonomous Institute)</a:t>
-                      </a:r>
                       <a:endParaRPr lang="en-IN" sz="1600" dirty="0">
                         <a:solidFill>
                           <a:schemeClr val="tx1"/>
@@ -4195,17 +4016,6 @@
                           <a:spcPts val="0"/>
                         </a:spcAft>
                       </a:pPr>
-                      <a:r>
-                        <a:rPr lang="en-US" sz="1600" dirty="0">
-                          <a:solidFill>
-                            <a:schemeClr val="tx1"/>
-                          </a:solidFill>
-                          <a:effectLst/>
-                          <a:latin typeface="Times New Roman" panose="02020603050405020304" pitchFamily="18" charset="0"/>
-                          <a:cs typeface="Times New Roman" panose="02020603050405020304" pitchFamily="18" charset="0"/>
-                        </a:rPr>
-                        <a:t>Dhulapally, Secunderabad-500100</a:t>
-                      </a:r>
                       <a:endParaRPr lang="en-IN" sz="1600" dirty="0">
                         <a:solidFill>
                           <a:schemeClr val="tx1"/>
@@ -4244,17 +4054,6 @@
                           <a:spcPts val="0"/>
                         </a:spcAft>
                       </a:pPr>
-                      <a:r>
-                        <a:rPr lang="en-US" sz="1600" dirty="0">
-                          <a:solidFill>
-                            <a:schemeClr val="tx1"/>
-                          </a:solidFill>
-                          <a:effectLst/>
-                          <a:latin typeface="Times New Roman" panose="02020603050405020304" pitchFamily="18" charset="0"/>
-                          <a:cs typeface="Times New Roman" panose="02020603050405020304" pitchFamily="18" charset="0"/>
-                        </a:rPr>
-                        <a:t>NBA &amp; NAAC A+ Accredited</a:t>
-                      </a:r>
                       <a:endParaRPr lang="en-IN" sz="1600" dirty="0">
                         <a:solidFill>
                           <a:schemeClr val="tx1"/>
@@ -4293,17 +4092,6 @@
                           <a:spcPts val="0"/>
                         </a:spcAft>
                       </a:pPr>
-                      <a:r>
-                        <a:rPr lang="en-US" sz="1600" dirty="0">
-                          <a:solidFill>
-                            <a:schemeClr val="tx1"/>
-                          </a:solidFill>
-                          <a:effectLst/>
-                          <a:latin typeface="Times New Roman" panose="02020603050405020304" pitchFamily="18" charset="0"/>
-                          <a:cs typeface="Times New Roman" panose="02020603050405020304" pitchFamily="18" charset="0"/>
-                        </a:rPr>
-                        <a:t>www.smec.ac.in</a:t>
-                      </a:r>
                       <a:endParaRPr lang="en-IN" sz="1600" dirty="0">
                         <a:solidFill>
                           <a:schemeClr val="tx1"/>
@@ -4329,66 +4117,48 @@
           </a:graphicData>
         </a:graphic>
       </p:graphicFrame>
-      <p:pic>
-        <p:nvPicPr>
-          <p:cNvPr id="12" name="Picture 11">
+      <p:sp>
+        <p:nvSpPr>
+          <p:cNvPr id="4" name="TextBox 3">
             <a:extLst>
               <a:ext uri="{FF2B5EF4-FFF2-40B4-BE49-F238E27FC236}">
-                <a16:creationId xmlns:a16="http://schemas.microsoft.com/office/drawing/2014/main" id="{FF37AA46-EA85-4910-BB0D-780EBD6E757C}"/>
+                <a16:creationId xmlns:a16="http://schemas.microsoft.com/office/drawing/2014/main" id="{69359AA5-D0B3-B3DD-0E53-A91E34F8984D}"/>
               </a:ext>
             </a:extLst>
           </p:cNvPr>
-          <p:cNvPicPr>
-            <a:picLocks noChangeAspect="1"/>
-          </p:cNvPicPr>
+          <p:cNvSpPr txBox="1"/>
           <p:nvPr/>
-        </p:nvPicPr>
-        <p:blipFill>
-          <a:blip r:embed="rId3"/>
-          <a:stretch>
-            <a:fillRect/>
-          </a:stretch>
-        </p:blipFill>
+        </p:nvSpPr>
         <p:spPr>
           <a:xfrm>
-            <a:off x="1543320" y="31656"/>
-            <a:ext cx="1358359" cy="1483107"/>
+            <a:off x="2737914" y="3940722"/>
+            <a:ext cx="6365185" cy="369332"/>
           </a:xfrm>
           <a:prstGeom prst="rect">
             <a:avLst/>
           </a:prstGeom>
+          <a:noFill/>
         </p:spPr>
-      </p:pic>
-      <p:pic>
-        <p:nvPicPr>
-          <p:cNvPr id="13" name="Picture 12">
-            <a:extLst>
-              <a:ext uri="{FF2B5EF4-FFF2-40B4-BE49-F238E27FC236}">
-                <a16:creationId xmlns:a16="http://schemas.microsoft.com/office/drawing/2014/main" id="{CEECE3C3-3F4C-4E77-8259-F31262CB0D71}"/>
-              </a:ext>
-            </a:extLst>
-          </p:cNvPr>
-          <p:cNvPicPr>
-            <a:picLocks noChangeAspect="1"/>
-          </p:cNvPicPr>
-          <p:nvPr/>
-        </p:nvPicPr>
-        <p:blipFill>
-          <a:blip r:embed="rId4"/>
-          <a:stretch>
-            <a:fillRect/>
-          </a:stretch>
-        </p:blipFill>
-        <p:spPr>
-          <a:xfrm>
-            <a:off x="8989780" y="139509"/>
-            <a:ext cx="1392470" cy="1357886"/>
-          </a:xfrm>
-          <a:prstGeom prst="rect">
-            <a:avLst/>
-          </a:prstGeom>
-        </p:spPr>
-      </p:pic>
+        <p:txBody>
+          <a:bodyPr wrap="square">
+            <a:spAutoFit/>
+          </a:bodyPr>
+          <a:lstStyle/>
+          <a:p>
+            <a:r>
+              <a:rPr lang="en-US" sz="1800" b="1" dirty="0">
+                <a:latin typeface="Times New Roman" panose="02020603050405020304" pitchFamily="18" charset="0"/>
+                <a:cs typeface="Times New Roman" panose="02020603050405020304" pitchFamily="18" charset="0"/>
+              </a:rPr>
+              <a:t>Department of  Electronics  and  Communication  Engineering </a:t>
+            </a:r>
+            <a:endParaRPr lang="en-IN" sz="1800" b="1" dirty="0">
+              <a:latin typeface="Times New Roman" panose="02020603050405020304" pitchFamily="18" charset="0"/>
+              <a:cs typeface="Times New Roman" panose="02020603050405020304" pitchFamily="18" charset="0"/>
+            </a:endParaRPr>
+          </a:p>
+        </p:txBody>
+      </p:sp>
     </p:spTree>
     <p:extLst>
       <p:ext uri="{BB962C8B-B14F-4D97-AF65-F5344CB8AC3E}">
@@ -5698,370 +5468,6 @@
 </p:sld>
 </file>
 
-<file path=ppt/slides/slide17.xml><?xml version="1.0" encoding="utf-8"?>
-<p:sld xmlns:a="http://schemas.openxmlformats.org/drawingml/2006/main" xmlns:r="http://schemas.openxmlformats.org/officeDocument/2006/relationships" xmlns:p="http://schemas.openxmlformats.org/presentationml/2006/main">
-  <p:cSld>
-    <p:spTree>
-      <p:nvGrpSpPr>
-        <p:cNvPr id="1" name=""/>
-        <p:cNvGrpSpPr/>
-        <p:nvPr/>
-      </p:nvGrpSpPr>
-      <p:grpSpPr>
-        <a:xfrm>
-          <a:off x="0" y="0"/>
-          <a:ext cx="0" cy="0"/>
-          <a:chOff x="0" y="0"/>
-          <a:chExt cx="0" cy="0"/>
-        </a:xfrm>
-      </p:grpSpPr>
-      <p:sp>
-        <p:nvSpPr>
-          <p:cNvPr id="2" name="Title 1"/>
-          <p:cNvSpPr>
-            <a:spLocks noGrp="1"/>
-          </p:cNvSpPr>
-          <p:nvPr>
-            <p:ph type="title"/>
-          </p:nvPr>
-        </p:nvSpPr>
-        <p:spPr/>
-        <p:txBody>
-          <a:bodyPr/>
-          <a:lstStyle/>
-          <a:p>
-            <a:r>
-              <a:rPr lang="en-IN" b="1" dirty="0">
-                <a:latin typeface="Times New Roman" panose="02020603050405020304" pitchFamily="18" charset="0"/>
-                <a:cs typeface="Times New Roman" panose="02020603050405020304" pitchFamily="18" charset="0"/>
-              </a:rPr>
-              <a:t>Future</a:t>
-            </a:r>
-            <a:r>
-              <a:rPr lang="en-IN" dirty="0">
-                <a:latin typeface="Times New Roman" panose="02020603050405020304" pitchFamily="18" charset="0"/>
-                <a:cs typeface="Times New Roman" panose="02020603050405020304" pitchFamily="18" charset="0"/>
-              </a:rPr>
-              <a:t> </a:t>
-            </a:r>
-            <a:r>
-              <a:rPr lang="en-IN" b="1" dirty="0">
-                <a:latin typeface="Times New Roman" panose="02020603050405020304" pitchFamily="18" charset="0"/>
-                <a:cs typeface="Times New Roman" panose="02020603050405020304" pitchFamily="18" charset="0"/>
-              </a:rPr>
-              <a:t>scope</a:t>
-            </a:r>
-          </a:p>
-        </p:txBody>
-      </p:sp>
-      <p:sp>
-        <p:nvSpPr>
-          <p:cNvPr id="3" name="Content Placeholder 2"/>
-          <p:cNvSpPr>
-            <a:spLocks noGrp="1"/>
-          </p:cNvSpPr>
-          <p:nvPr>
-            <p:ph idx="1"/>
-          </p:nvPr>
-        </p:nvSpPr>
-        <p:spPr>
-          <a:xfrm>
-            <a:off x="838200" y="1691014"/>
-            <a:ext cx="10515600" cy="4485949"/>
-          </a:xfrm>
-        </p:spPr>
-        <p:txBody>
-          <a:bodyPr>
-            <a:normAutofit/>
-          </a:bodyPr>
-          <a:lstStyle/>
-          <a:p>
-            <a:pPr algn="just"/>
-            <a:r>
-              <a:rPr lang="en-IN" sz="2400" dirty="0">
-                <a:latin typeface="Times New Roman" panose="02020603050405020304" pitchFamily="18" charset="0"/>
-                <a:cs typeface="Times New Roman" panose="02020603050405020304" pitchFamily="18" charset="0"/>
-              </a:rPr>
-              <a:t> Apart from seeding, irrigation, fertilization and fruit picking, harvesting, weeding, monitoring etc. can also be implemented in this robot. And one or more system can be, monitoring through the image processing and GSM system. Then it also includes weeding and harvesting in this system.</a:t>
-            </a:r>
-          </a:p>
-        </p:txBody>
-      </p:sp>
-    </p:spTree>
-    <p:extLst>
-      <p:ext uri="{BB962C8B-B14F-4D97-AF65-F5344CB8AC3E}">
-        <p14:creationId xmlns:p14="http://schemas.microsoft.com/office/powerpoint/2010/main" val="2898958154"/>
-      </p:ext>
-    </p:extLst>
-  </p:cSld>
-  <p:clrMapOvr>
-    <a:masterClrMapping/>
-  </p:clrMapOvr>
-</p:sld>
-</file>
-
-<file path=ppt/slides/slide18.xml><?xml version="1.0" encoding="utf-8"?>
-<p:sld xmlns:a="http://schemas.openxmlformats.org/drawingml/2006/main" xmlns:r="http://schemas.openxmlformats.org/officeDocument/2006/relationships" xmlns:p="http://schemas.openxmlformats.org/presentationml/2006/main">
-  <p:cSld>
-    <p:spTree>
-      <p:nvGrpSpPr>
-        <p:cNvPr id="1" name=""/>
-        <p:cNvGrpSpPr/>
-        <p:nvPr/>
-      </p:nvGrpSpPr>
-      <p:grpSpPr>
-        <a:xfrm>
-          <a:off x="0" y="0"/>
-          <a:ext cx="0" cy="0"/>
-          <a:chOff x="0" y="0"/>
-          <a:chExt cx="0" cy="0"/>
-        </a:xfrm>
-      </p:grpSpPr>
-      <p:sp>
-        <p:nvSpPr>
-          <p:cNvPr id="4" name="Title 3"/>
-          <p:cNvSpPr>
-            <a:spLocks noGrp="1"/>
-          </p:cNvSpPr>
-          <p:nvPr>
-            <p:ph type="title"/>
-          </p:nvPr>
-        </p:nvSpPr>
-        <p:spPr/>
-        <p:txBody>
-          <a:bodyPr/>
-          <a:lstStyle/>
-          <a:p>
-            <a:r>
-              <a:rPr lang="en-IN" b="1" dirty="0">
-                <a:latin typeface="Times New Roman" panose="02020603050405020304" pitchFamily="18" charset="0"/>
-                <a:cs typeface="Times New Roman" panose="02020603050405020304" pitchFamily="18" charset="0"/>
-              </a:rPr>
-              <a:t>References</a:t>
-            </a:r>
-          </a:p>
-        </p:txBody>
-      </p:sp>
-      <p:sp>
-        <p:nvSpPr>
-          <p:cNvPr id="5" name="Content Placeholder 4"/>
-          <p:cNvSpPr>
-            <a:spLocks noGrp="1"/>
-          </p:cNvSpPr>
-          <p:nvPr>
-            <p:ph idx="1"/>
-          </p:nvPr>
-        </p:nvSpPr>
-        <p:spPr>
-          <a:xfrm>
-            <a:off x="788096" y="1662788"/>
-            <a:ext cx="10515600" cy="4351338"/>
-          </a:xfrm>
-        </p:spPr>
-        <p:txBody>
-          <a:bodyPr>
-            <a:normAutofit fontScale="85000" lnSpcReduction="10000"/>
-          </a:bodyPr>
-          <a:lstStyle/>
-          <a:p>
-            <a:pPr algn="just"/>
-            <a:r>
-              <a:rPr lang="en-IN" dirty="0">
-                <a:latin typeface="Times New Roman" panose="02020603050405020304" pitchFamily="18" charset="0"/>
-                <a:cs typeface="Times New Roman" panose="02020603050405020304" pitchFamily="18" charset="0"/>
-              </a:rPr>
-              <a:t>[1] Shivprasad B S, Ravishankara M N, B N Shoba” Design and Implementation of Seeding and Fertilizing Agriculture Robot.” International Journal of Application or Innovation in Engineering &amp;Management(IJAIEM), Volume 3, Issue6, June 2014.</a:t>
-            </a:r>
-          </a:p>
-          <a:p>
-            <a:pPr algn="just"/>
-            <a:r>
-              <a:rPr lang="en-IN" dirty="0">
-                <a:latin typeface="Times New Roman" panose="02020603050405020304" pitchFamily="18" charset="0"/>
-                <a:cs typeface="Times New Roman" panose="02020603050405020304" pitchFamily="18" charset="0"/>
-              </a:rPr>
-              <a:t> [2] Swati D.Sambare, S.S.Belsare “Seed Sowing Using Robotics Technology.” International Journal of scientific research and management (IJSRM) Volume- 3,Issue5,Pages 2889-2892-2015.</a:t>
-            </a:r>
-          </a:p>
-          <a:p>
-            <a:pPr algn="just"/>
-            <a:r>
-              <a:rPr lang="en-IN" dirty="0">
-                <a:latin typeface="Times New Roman" panose="02020603050405020304" pitchFamily="18" charset="0"/>
-                <a:cs typeface="Times New Roman" panose="02020603050405020304" pitchFamily="18" charset="0"/>
-              </a:rPr>
-              <a:t> [3] Nitin Kumar Mishra, Shashwat Khare, Sumit Singh, Mithun Dabur.” Multi-Purpose Agriculture Machine” International Journal of Advances in Science Engineering and Technology, ISSN: 2321-9009, Vol-5, Iss-1, Spl. Issue-2 Feb.-2017 </a:t>
-            </a:r>
-          </a:p>
-          <a:p>
-            <a:pPr algn="just"/>
-            <a:r>
-              <a:rPr lang="en-IN" dirty="0">
-                <a:latin typeface="Times New Roman" panose="02020603050405020304" pitchFamily="18" charset="0"/>
-                <a:cs typeface="Times New Roman" panose="02020603050405020304" pitchFamily="18" charset="0"/>
-              </a:rPr>
-              <a:t>[4] Mahesh R. Pundkar “Performance of Seeding, Plowing and Plant Cutting Devices by Using Image Processing Algorithm Using Flash Magic”. </a:t>
-            </a:r>
-          </a:p>
-        </p:txBody>
-      </p:sp>
-    </p:spTree>
-    <p:extLst>
-      <p:ext uri="{BB962C8B-B14F-4D97-AF65-F5344CB8AC3E}">
-        <p14:creationId xmlns:p14="http://schemas.microsoft.com/office/powerpoint/2010/main" val="3693659904"/>
-      </p:ext>
-    </p:extLst>
-  </p:cSld>
-  <p:clrMapOvr>
-    <a:masterClrMapping/>
-  </p:clrMapOvr>
-</p:sld>
-</file>
-
-<file path=ppt/slides/slide19.xml><?xml version="1.0" encoding="utf-8"?>
-<p:sld xmlns:a="http://schemas.openxmlformats.org/drawingml/2006/main" xmlns:r="http://schemas.openxmlformats.org/officeDocument/2006/relationships" xmlns:p="http://schemas.openxmlformats.org/presentationml/2006/main">
-  <p:cSld>
-    <p:spTree>
-      <p:nvGrpSpPr>
-        <p:cNvPr id="1" name=""/>
-        <p:cNvGrpSpPr/>
-        <p:nvPr/>
-      </p:nvGrpSpPr>
-      <p:grpSpPr>
-        <a:xfrm>
-          <a:off x="0" y="0"/>
-          <a:ext cx="0" cy="0"/>
-          <a:chOff x="0" y="0"/>
-          <a:chExt cx="0" cy="0"/>
-        </a:xfrm>
-      </p:grpSpPr>
-      <p:sp>
-        <p:nvSpPr>
-          <p:cNvPr id="2" name="Title 1"/>
-          <p:cNvSpPr>
-            <a:spLocks noGrp="1"/>
-          </p:cNvSpPr>
-          <p:nvPr>
-            <p:ph type="title"/>
-          </p:nvPr>
-        </p:nvSpPr>
-        <p:spPr/>
-        <p:txBody>
-          <a:bodyPr/>
-          <a:lstStyle/>
-          <a:p>
-            <a:r>
-              <a:rPr lang="en-IN" b="1" dirty="0">
-                <a:latin typeface="Times New Roman" panose="02020603050405020304" pitchFamily="18" charset="0"/>
-                <a:cs typeface="Times New Roman" panose="02020603050405020304" pitchFamily="18" charset="0"/>
-              </a:rPr>
-              <a:t>Contd</a:t>
-            </a:r>
-            <a:r>
-              <a:rPr lang="en-IN" dirty="0">
-                <a:latin typeface="Times New Roman" panose="02020603050405020304" pitchFamily="18" charset="0"/>
-                <a:cs typeface="Times New Roman" panose="02020603050405020304" pitchFamily="18" charset="0"/>
-              </a:rPr>
-              <a:t>..</a:t>
-            </a:r>
-          </a:p>
-        </p:txBody>
-      </p:sp>
-      <p:sp>
-        <p:nvSpPr>
-          <p:cNvPr id="3" name="Content Placeholder 2"/>
-          <p:cNvSpPr>
-            <a:spLocks noGrp="1"/>
-          </p:cNvSpPr>
-          <p:nvPr>
-            <p:ph idx="1"/>
-          </p:nvPr>
-        </p:nvSpPr>
-        <p:spPr>
-          <a:xfrm>
-            <a:off x="838200" y="1603332"/>
-            <a:ext cx="10515600" cy="4897675"/>
-          </a:xfrm>
-        </p:spPr>
-        <p:txBody>
-          <a:bodyPr>
-            <a:noAutofit/>
-          </a:bodyPr>
-          <a:lstStyle/>
-          <a:p>
-            <a:pPr algn="just"/>
-            <a:r>
-              <a:rPr lang="en-IN" sz="2400" dirty="0">
-                <a:latin typeface="Times New Roman" panose="02020603050405020304" pitchFamily="18" charset="0"/>
-                <a:cs typeface="Times New Roman" panose="02020603050405020304" pitchFamily="18" charset="0"/>
-              </a:rPr>
-              <a:t>[5] Adyta kawadaskar “Seed Sowing Machine Using CAD”.</a:t>
-            </a:r>
-          </a:p>
-          <a:p>
-            <a:pPr algn="just"/>
-            <a:r>
-              <a:rPr lang="en-IN" sz="2400" dirty="0">
-                <a:latin typeface="Times New Roman" panose="02020603050405020304" pitchFamily="18" charset="0"/>
-                <a:cs typeface="Times New Roman" panose="02020603050405020304" pitchFamily="18" charset="0"/>
-              </a:rPr>
-              <a:t> [6] Joginder Singh “ The Effect of Farm Mechanization on Indian Economy”.</a:t>
-            </a:r>
-          </a:p>
-          <a:p>
-            <a:pPr algn="just"/>
-            <a:r>
-              <a:rPr lang="en-IN" sz="2400" dirty="0">
-                <a:latin typeface="Times New Roman" panose="02020603050405020304" pitchFamily="18" charset="0"/>
-                <a:cs typeface="Times New Roman" panose="02020603050405020304" pitchFamily="18" charset="0"/>
-              </a:rPr>
-              <a:t> [7] P.Vijay1, K.V.N.Rakesh2, B.Varun.” Design of A Multi-Purpose Seed Sower Cum Plougher.” International Journal Of Emerging Technology and Advanced Engineering,(ISSN 2250-2459, ISO 9001:2008 Certified Journal ,Volume 3, Issue 4, April 2013). </a:t>
-            </a:r>
-          </a:p>
-          <a:p>
-            <a:pPr algn="just"/>
-            <a:r>
-              <a:rPr lang="en-IN" sz="2400" dirty="0">
-                <a:latin typeface="Times New Roman" panose="02020603050405020304" pitchFamily="18" charset="0"/>
-                <a:cs typeface="Times New Roman" panose="02020603050405020304" pitchFamily="18" charset="0"/>
-              </a:rPr>
-              <a:t>[8] Akshatha.T, Bharathi Malakreddy A, Harinath K “Street Light Automation using IoT” International Journal of Scientific Research and Engineering Trends, in volume 04, Issue 02, Mar-Apr 2018,Page 301-303.</a:t>
-            </a:r>
-          </a:p>
-          <a:p>
-            <a:pPr algn="just"/>
-            <a:r>
-              <a:rPr lang="en-IN" sz="2400" dirty="0">
-                <a:latin typeface="Times New Roman" panose="02020603050405020304" pitchFamily="18" charset="0"/>
-                <a:cs typeface="Times New Roman" panose="02020603050405020304" pitchFamily="18" charset="0"/>
-              </a:rPr>
-              <a:t>[9] Sarika C G, Bharathi Malakreddy A, Harinath K “IoT Based Smart Login using Biometrics” International Conference on Computer Networks and Inventive Communication Technologies, April 2018.</a:t>
-            </a:r>
-          </a:p>
-          <a:p>
-            <a:pPr marL="0" indent="0" algn="just">
-              <a:buNone/>
-            </a:pPr>
-            <a:endParaRPr lang="en-IN" sz="2400" dirty="0">
-              <a:latin typeface="Times New Roman" panose="02020603050405020304" pitchFamily="18" charset="0"/>
-              <a:cs typeface="Times New Roman" panose="02020603050405020304" pitchFamily="18" charset="0"/>
-            </a:endParaRPr>
-          </a:p>
-        </p:txBody>
-      </p:sp>
-    </p:spTree>
-    <p:extLst>
-      <p:ext uri="{BB962C8B-B14F-4D97-AF65-F5344CB8AC3E}">
-        <p14:creationId xmlns:p14="http://schemas.microsoft.com/office/powerpoint/2010/main" val="2232587248"/>
-      </p:ext>
-    </p:extLst>
-  </p:cSld>
-  <p:clrMapOvr>
-    <a:masterClrMapping/>
-  </p:clrMapOvr>
-</p:sld>
-</file>
-
 <file path=ppt/slides/slide2.xml><?xml version="1.0" encoding="utf-8"?>
 <p:sld xmlns:a="http://schemas.openxmlformats.org/drawingml/2006/main" xmlns:r="http://schemas.openxmlformats.org/officeDocument/2006/relationships" xmlns:p="http://schemas.openxmlformats.org/presentationml/2006/main">
   <p:cSld>
@@ -6341,29 +5747,6 @@
           <a:chExt cx="0" cy="0"/>
         </a:xfrm>
       </p:grpSpPr>
-      <p:sp>
-        <p:nvSpPr>
-          <p:cNvPr id="2" name="Title 1"/>
-          <p:cNvSpPr>
-            <a:spLocks noGrp="1"/>
-          </p:cNvSpPr>
-          <p:nvPr>
-            <p:ph type="title"/>
-          </p:nvPr>
-        </p:nvSpPr>
-        <p:spPr/>
-        <p:txBody>
-          <a:bodyPr/>
-          <a:lstStyle/>
-          <a:p>
-            <a:r>
-              <a:rPr lang="en-IN"/>
-              <a:t>Contd…..</a:t>
-            </a:r>
-            <a:endParaRPr lang="en-IN" dirty="0"/>
-          </a:p>
-        </p:txBody>
-      </p:sp>
       <p:sp>
         <p:nvSpPr>
           <p:cNvPr id="3" name="Content Placeholder 2"/>
